--- a/ubuntu_logo.pptx
+++ b/ubuntu_logo.pptx
@@ -320,7 +320,7 @@
           <a:p>
             <a:fld id="{FE4AC3BF-C2D3-41F9-9FAF-EC0855A57313}" type="datetimeFigureOut">
               <a:rPr kumimoji="1" lang="ja-JP" altLang="en-US" smtClean="0"/>
-              <a:t>2020/6/20</a:t>
+              <a:t>2021/10/8</a:t>
             </a:fld>
             <a:endParaRPr kumimoji="1" lang="ja-JP" altLang="en-US"/>
           </a:p>
@@ -550,7 +550,7 @@
           <a:p>
             <a:fld id="{FE4AC3BF-C2D3-41F9-9FAF-EC0855A57313}" type="datetimeFigureOut">
               <a:rPr kumimoji="1" lang="ja-JP" altLang="en-US" smtClean="0"/>
-              <a:t>2020/6/20</a:t>
+              <a:t>2021/10/8</a:t>
             </a:fld>
             <a:endParaRPr kumimoji="1" lang="ja-JP" altLang="en-US"/>
           </a:p>
@@ -790,7 +790,7 @@
           <a:p>
             <a:fld id="{FE4AC3BF-C2D3-41F9-9FAF-EC0855A57313}" type="datetimeFigureOut">
               <a:rPr kumimoji="1" lang="ja-JP" altLang="en-US" smtClean="0"/>
-              <a:t>2020/6/20</a:t>
+              <a:t>2021/10/8</a:t>
             </a:fld>
             <a:endParaRPr kumimoji="1" lang="ja-JP" altLang="en-US"/>
           </a:p>
@@ -1020,7 +1020,7 @@
           <a:p>
             <a:fld id="{FE4AC3BF-C2D3-41F9-9FAF-EC0855A57313}" type="datetimeFigureOut">
               <a:rPr kumimoji="1" lang="ja-JP" altLang="en-US" smtClean="0"/>
-              <a:t>2020/6/20</a:t>
+              <a:t>2021/10/8</a:t>
             </a:fld>
             <a:endParaRPr kumimoji="1" lang="ja-JP" altLang="en-US"/>
           </a:p>
@@ -1295,7 +1295,7 @@
           <a:p>
             <a:fld id="{FE4AC3BF-C2D3-41F9-9FAF-EC0855A57313}" type="datetimeFigureOut">
               <a:rPr kumimoji="1" lang="ja-JP" altLang="en-US" smtClean="0"/>
-              <a:t>2020/6/20</a:t>
+              <a:t>2021/10/8</a:t>
             </a:fld>
             <a:endParaRPr kumimoji="1" lang="ja-JP" altLang="en-US"/>
           </a:p>
@@ -1624,7 +1624,7 @@
           <a:p>
             <a:fld id="{FE4AC3BF-C2D3-41F9-9FAF-EC0855A57313}" type="datetimeFigureOut">
               <a:rPr kumimoji="1" lang="ja-JP" altLang="en-US" smtClean="0"/>
-              <a:t>2020/6/20</a:t>
+              <a:t>2021/10/8</a:t>
             </a:fld>
             <a:endParaRPr kumimoji="1" lang="ja-JP" altLang="en-US"/>
           </a:p>
@@ -2100,7 +2100,7 @@
           <a:p>
             <a:fld id="{FE4AC3BF-C2D3-41F9-9FAF-EC0855A57313}" type="datetimeFigureOut">
               <a:rPr kumimoji="1" lang="ja-JP" altLang="en-US" smtClean="0"/>
-              <a:t>2020/6/20</a:t>
+              <a:t>2021/10/8</a:t>
             </a:fld>
             <a:endParaRPr kumimoji="1" lang="ja-JP" altLang="en-US"/>
           </a:p>
@@ -2241,7 +2241,7 @@
           <a:p>
             <a:fld id="{FE4AC3BF-C2D3-41F9-9FAF-EC0855A57313}" type="datetimeFigureOut">
               <a:rPr kumimoji="1" lang="ja-JP" altLang="en-US" smtClean="0"/>
-              <a:t>2020/6/20</a:t>
+              <a:t>2021/10/8</a:t>
             </a:fld>
             <a:endParaRPr kumimoji="1" lang="ja-JP" altLang="en-US"/>
           </a:p>
@@ -2354,7 +2354,7 @@
           <a:p>
             <a:fld id="{FE4AC3BF-C2D3-41F9-9FAF-EC0855A57313}" type="datetimeFigureOut">
               <a:rPr kumimoji="1" lang="ja-JP" altLang="en-US" smtClean="0"/>
-              <a:t>2020/6/20</a:t>
+              <a:t>2021/10/8</a:t>
             </a:fld>
             <a:endParaRPr kumimoji="1" lang="ja-JP" altLang="en-US"/>
           </a:p>
@@ -2697,7 +2697,7 @@
           <a:p>
             <a:fld id="{FE4AC3BF-C2D3-41F9-9FAF-EC0855A57313}" type="datetimeFigureOut">
               <a:rPr kumimoji="1" lang="ja-JP" altLang="en-US" smtClean="0"/>
-              <a:t>2020/6/20</a:t>
+              <a:t>2021/10/8</a:t>
             </a:fld>
             <a:endParaRPr kumimoji="1" lang="ja-JP" altLang="en-US"/>
           </a:p>
@@ -2985,7 +2985,7 @@
           <a:p>
             <a:fld id="{FE4AC3BF-C2D3-41F9-9FAF-EC0855A57313}" type="datetimeFigureOut">
               <a:rPr kumimoji="1" lang="ja-JP" altLang="en-US" smtClean="0"/>
-              <a:t>2020/6/20</a:t>
+              <a:t>2021/10/8</a:t>
             </a:fld>
             <a:endParaRPr kumimoji="1" lang="ja-JP" altLang="en-US"/>
           </a:p>
@@ -3258,7 +3258,7 @@
           <a:p>
             <a:fld id="{FE4AC3BF-C2D3-41F9-9FAF-EC0855A57313}" type="datetimeFigureOut">
               <a:rPr kumimoji="1" lang="ja-JP" altLang="en-US" smtClean="0"/>
-              <a:t>2020/6/20</a:t>
+              <a:t>2021/10/8</a:t>
             </a:fld>
             <a:endParaRPr kumimoji="1" lang="ja-JP" altLang="en-US"/>
           </a:p>
@@ -3787,7 +3787,7 @@
         </p:nvSpPr>
         <p:spPr>
           <a:xfrm>
-            <a:off x="6096000" y="1196698"/>
+            <a:off x="5958529" y="1196698"/>
             <a:ext cx="2873471" cy="3939540"/>
           </a:xfrm>
           <a:prstGeom prst="rect">
@@ -3802,12 +3802,12 @@
           <a:lstStyle/>
           <a:p>
             <a:r>
-              <a:rPr lang="en-US" altLang="ja-JP" sz="25000" dirty="0">
+              <a:rPr kumimoji="1" lang="en-US" altLang="ja-JP" sz="25000" dirty="0">
                 <a:solidFill>
                   <a:schemeClr val="bg1"/>
                 </a:solidFill>
               </a:rPr>
-              <a:t>S</a:t>
+              <a:t>B</a:t>
             </a:r>
             <a:endParaRPr kumimoji="1" lang="ja-JP" altLang="en-US" sz="25000" dirty="0">
               <a:solidFill>
